--- a/PPT/11.16일 발표_박범찬.pptx
+++ b/PPT/11.16일 발표_박범찬.pptx
@@ -212,7 +212,7 @@
           <a:p>
             <a:fld id="{0E2712CF-ED42-4043-9E7E-4FF86D8E6FEA}" type="datetimeFigureOut">
               <a:rPr kumimoji="1" lang="ko-KR" altLang="en-US" smtClean="0"/>
-              <a:t>2023. 11. 15.</a:t>
+              <a:t>2023. 12. 12.</a:t>
             </a:fld>
             <a:endParaRPr kumimoji="1" lang="ko-KR" altLang="en-US"/>
           </a:p>
@@ -1802,7 +1802,7 @@
           <a:p>
             <a:fld id="{8D641367-2072-B44D-89AC-487631A76DFE}" type="datetime1">
               <a:rPr kumimoji="1" lang="ko-KR" altLang="en-US" smtClean="0"/>
-              <a:t>2023. 11. 15.</a:t>
+              <a:t>2023. 12. 12.</a:t>
             </a:fld>
             <a:endParaRPr kumimoji="1" lang="ko-KR" altLang="en-US"/>
           </a:p>
@@ -2000,7 +2000,7 @@
           <a:p>
             <a:fld id="{67FFD920-A942-2640-A59F-3EA9AD3F647A}" type="datetime1">
               <a:rPr kumimoji="1" lang="ko-KR" altLang="en-US" smtClean="0"/>
-              <a:t>2023. 11. 15.</a:t>
+              <a:t>2023. 12. 12.</a:t>
             </a:fld>
             <a:endParaRPr kumimoji="1" lang="ko-KR" altLang="en-US"/>
           </a:p>
@@ -2208,7 +2208,7 @@
           <a:p>
             <a:fld id="{4D402924-9E9F-5744-896A-C287902A9955}" type="datetime1">
               <a:rPr kumimoji="1" lang="ko-KR" altLang="en-US" smtClean="0"/>
-              <a:t>2023. 11. 15.</a:t>
+              <a:t>2023. 12. 12.</a:t>
             </a:fld>
             <a:endParaRPr kumimoji="1" lang="ko-KR" altLang="en-US"/>
           </a:p>
@@ -2406,7 +2406,7 @@
           <a:p>
             <a:fld id="{D96768C8-F6FC-924E-BAFB-708E23A59388}" type="datetime1">
               <a:rPr kumimoji="1" lang="ko-KR" altLang="en-US" smtClean="0"/>
-              <a:t>2023. 11. 15.</a:t>
+              <a:t>2023. 12. 12.</a:t>
             </a:fld>
             <a:endParaRPr kumimoji="1" lang="ko-KR" altLang="en-US"/>
           </a:p>
@@ -2681,7 +2681,7 @@
           <a:p>
             <a:fld id="{37304A9C-A5BB-454D-8898-ABB1B6D11EC7}" type="datetime1">
               <a:rPr kumimoji="1" lang="ko-KR" altLang="en-US" smtClean="0"/>
-              <a:t>2023. 11. 15.</a:t>
+              <a:t>2023. 12. 12.</a:t>
             </a:fld>
             <a:endParaRPr kumimoji="1" lang="ko-KR" altLang="en-US"/>
           </a:p>
@@ -2946,7 +2946,7 @@
           <a:p>
             <a:fld id="{36CF04B2-8F08-E14B-BACB-A15F41DB3B35}" type="datetime1">
               <a:rPr kumimoji="1" lang="ko-KR" altLang="en-US" smtClean="0"/>
-              <a:t>2023. 11. 15.</a:t>
+              <a:t>2023. 12. 12.</a:t>
             </a:fld>
             <a:endParaRPr kumimoji="1" lang="ko-KR" altLang="en-US"/>
           </a:p>
@@ -3358,7 +3358,7 @@
           <a:p>
             <a:fld id="{A50C96F4-B36E-EA4A-A25A-603DD7065094}" type="datetime1">
               <a:rPr kumimoji="1" lang="ko-KR" altLang="en-US" smtClean="0"/>
-              <a:t>2023. 11. 15.</a:t>
+              <a:t>2023. 12. 12.</a:t>
             </a:fld>
             <a:endParaRPr kumimoji="1" lang="ko-KR" altLang="en-US"/>
           </a:p>
@@ -3499,7 +3499,7 @@
           <a:p>
             <a:fld id="{4F2424E7-65CE-E04C-8AD7-C852450E2E85}" type="datetime1">
               <a:rPr kumimoji="1" lang="ko-KR" altLang="en-US" smtClean="0"/>
-              <a:t>2023. 11. 15.</a:t>
+              <a:t>2023. 12. 12.</a:t>
             </a:fld>
             <a:endParaRPr kumimoji="1" lang="ko-KR" altLang="en-US"/>
           </a:p>
@@ -3612,7 +3612,7 @@
           <a:p>
             <a:fld id="{BCFC8656-9D53-7442-9B41-693E9272629E}" type="datetime1">
               <a:rPr kumimoji="1" lang="ko-KR" altLang="en-US" smtClean="0"/>
-              <a:t>2023. 11. 15.</a:t>
+              <a:t>2023. 12. 12.</a:t>
             </a:fld>
             <a:endParaRPr kumimoji="1" lang="ko-KR" altLang="en-US"/>
           </a:p>
@@ -3923,7 +3923,7 @@
           <a:p>
             <a:fld id="{BDE48260-46E4-CB44-869E-E19E6AF9B927}" type="datetime1">
               <a:rPr kumimoji="1" lang="ko-KR" altLang="en-US" smtClean="0"/>
-              <a:t>2023. 11. 15.</a:t>
+              <a:t>2023. 12. 12.</a:t>
             </a:fld>
             <a:endParaRPr kumimoji="1" lang="ko-KR" altLang="en-US"/>
           </a:p>
@@ -4211,7 +4211,7 @@
           <a:p>
             <a:fld id="{59570F0E-6500-CC49-9E5E-ED3F1CC78B57}" type="datetime1">
               <a:rPr kumimoji="1" lang="ko-KR" altLang="en-US" smtClean="0"/>
-              <a:t>2023. 11. 15.</a:t>
+              <a:t>2023. 12. 12.</a:t>
             </a:fld>
             <a:endParaRPr kumimoji="1" lang="ko-KR" altLang="en-US"/>
           </a:p>
@@ -4452,7 +4452,7 @@
           <a:p>
             <a:fld id="{72B2B065-34EE-B447-A1F2-9B35000C09E4}" type="datetime1">
               <a:rPr kumimoji="1" lang="ko-KR" altLang="en-US" smtClean="0"/>
-              <a:t>2023. 11. 15.</a:t>
+              <a:t>2023. 12. 12.</a:t>
             </a:fld>
             <a:endParaRPr kumimoji="1" lang="ko-KR" altLang="en-US"/>
           </a:p>
@@ -4998,11 +4998,11 @@
           <a:p>
             <a:r>
               <a:rPr lang="en-US" altLang="ko-KR" sz="2000" b="1" dirty="0"/>
-              <a:t>2023.11.16 (</a:t>
+              <a:t>2023.12.13 (</a:t>
             </a:r>
             <a:r>
               <a:rPr lang="ko-KR" altLang="en-US" sz="2000" b="1" dirty="0"/>
-              <a:t>목</a:t>
+              <a:t>수</a:t>
             </a:r>
             <a:r>
               <a:rPr lang="en-US" altLang="ko-KR" sz="2000" b="1" dirty="0"/>
@@ -5185,70 +5185,6 @@
           </a:fontRef>
         </p:style>
       </p:cxnSp>
-      <p:sp>
-        <p:nvSpPr>
-          <p:cNvPr id="4" name="TextBox 3">
-            <a:extLst>
-              <a:ext uri="{FF2B5EF4-FFF2-40B4-BE49-F238E27FC236}">
-                <a16:creationId xmlns:a16="http://schemas.microsoft.com/office/drawing/2014/main" id="{E55C33A3-BDBB-75A8-9B23-BF60FEFD0AC8}"/>
-              </a:ext>
-            </a:extLst>
-          </p:cNvPr>
-          <p:cNvSpPr txBox="1"/>
-          <p:nvPr/>
-        </p:nvSpPr>
-        <p:spPr>
-          <a:xfrm>
-            <a:off x="144378" y="177113"/>
-            <a:ext cx="4319324" cy="1015663"/>
-          </a:xfrm>
-          <a:prstGeom prst="rect">
-            <a:avLst/>
-          </a:prstGeom>
-          <a:noFill/>
-        </p:spPr>
-        <p:txBody>
-          <a:bodyPr wrap="none" rtlCol="0">
-            <a:spAutoFit/>
-          </a:bodyPr>
-          <a:lstStyle/>
-          <a:p>
-            <a:r>
-              <a:rPr kumimoji="1" lang="en-US" altLang="ko-KR" sz="2000" b="1" dirty="0">
-                <a:solidFill>
-                  <a:schemeClr val="accent6"/>
-                </a:solidFill>
-              </a:rPr>
-              <a:t>(preparing)</a:t>
-            </a:r>
-          </a:p>
-          <a:p>
-            <a:r>
-              <a:rPr kumimoji="1" lang="ko-KR" altLang="en-US" sz="2000" b="1" dirty="0">
-                <a:solidFill>
-                  <a:schemeClr val="accent6"/>
-                </a:solidFill>
-              </a:rPr>
-              <a:t>한국멀티미디어학회</a:t>
-            </a:r>
-            <a:endParaRPr kumimoji="1" lang="en-US" altLang="ko-KR" sz="2000" b="1" dirty="0">
-              <a:solidFill>
-                <a:schemeClr val="accent6"/>
-              </a:solidFill>
-            </a:endParaRPr>
-          </a:p>
-          <a:p>
-            <a:r>
-              <a:rPr kumimoji="1" lang="en-US" altLang="ko-KR" sz="2000" b="1" dirty="0">
-                <a:solidFill>
-                  <a:schemeClr val="accent6"/>
-                </a:solidFill>
-              </a:rPr>
-              <a:t>Korea Multimedia Society(KMMS)</a:t>
-            </a:r>
-          </a:p>
-        </p:txBody>
-      </p:sp>
     </p:spTree>
   </p:cSld>
   <p:clrMapOvr>
@@ -9356,8 +9292,8 @@
         </p:nvSpPr>
         <p:spPr>
           <a:xfrm>
-            <a:off x="6609366" y="2387795"/>
-            <a:ext cx="3574312" cy="3631763"/>
+            <a:off x="6609366" y="2228671"/>
+            <a:ext cx="2954655" cy="2862322"/>
           </a:xfrm>
           <a:prstGeom prst="rect">
             <a:avLst/>
@@ -9378,26 +9314,9 @@
               <a:rPr lang="ko-KR" altLang="en-US" sz="3000" b="1" spc="-300" dirty="0"/>
               <a:t> 제안한 방법</a:t>
             </a:r>
-            <a:endParaRPr lang="en-US" altLang="ko-KR" sz="3000" b="1" spc="-300" dirty="0"/>
-          </a:p>
-          <a:p>
-            <a:r>
-              <a:rPr lang="en-US" altLang="ko-KR" sz="2500" b="1" spc="-300" dirty="0"/>
-              <a:t>	3.1</a:t>
-            </a:r>
-            <a:r>
-              <a:rPr lang="ko-KR" altLang="en-US" sz="2500" b="1" spc="-300" dirty="0"/>
-              <a:t> </a:t>
-            </a:r>
-            <a:r>
-              <a:rPr lang="en-US" altLang="ko-KR" sz="2500" b="1" spc="-300" dirty="0"/>
-              <a:t>Parallel Generator</a:t>
-            </a:r>
-          </a:p>
-          <a:p>
-            <a:r>
-              <a:rPr lang="en-US" altLang="ko-KR" sz="2500" b="1" spc="-300" dirty="0"/>
-              <a:t>	3.2 Average Loss</a:t>
+            <a:r>
+              <a:rPr lang="en-US" altLang="ko-KR" sz="3000" b="1" spc="-300" dirty="0"/>
+              <a:t>	</a:t>
             </a:r>
           </a:p>
           <a:p>
